--- a/Disruptive Technologies of the future.pptx
+++ b/Disruptive Technologies of the future.pptx
@@ -111,6 +111,11 @@
       </a:defRPr>
     </a:lvl9pPr>
   </p:defaultTextStyle>
+  <p:extLst>
+    <p:ext uri="{EFAFB233-063F-42B5-8137-9DF3F51BA10A}">
+      <p15:sldGuideLst xmlns:p15="http://schemas.microsoft.com/office/powerpoint/2012/main"/>
+    </p:ext>
+  </p:extLst>
 </p:presentation>
 </file>
 
@@ -3122,7 +3127,15 @@
             </a:pPr>
             <a:r>
               <a:rPr lang="en-GB" sz="7400" dirty="0"/>
-              <a:t>Born and bread in </a:t>
+              <a:t>Born and </a:t>
+            </a:r>
+            <a:r>
+              <a:rPr lang="en-GB" sz="7400" dirty="0" smtClean="0"/>
+              <a:t>bred </a:t>
+            </a:r>
+            <a:r>
+              <a:rPr lang="en-GB" sz="7400" dirty="0"/>
+              <a:t>in </a:t>
             </a:r>
             <a:r>
               <a:rPr lang="en-GB" sz="7400" dirty="0" err="1"/>
@@ -4137,11 +4150,7 @@
           <a:p>
             <a:r>
               <a:rPr lang="en-GB" dirty="0" err="1" smtClean="0"/>
-              <a:t>d</a:t>
-            </a:r>
-            <a:r>
-              <a:rPr lang="en-GB" dirty="0" err="1" smtClean="0"/>
-              <a:t>App</a:t>
+              <a:t>dApp</a:t>
             </a:r>
             <a:r>
               <a:rPr lang="en-GB" dirty="0" smtClean="0"/>
@@ -4402,11 +4411,7 @@
           <a:p>
             <a:r>
               <a:rPr lang="en-GB" dirty="0" err="1" smtClean="0"/>
-              <a:t>d</a:t>
-            </a:r>
-            <a:r>
-              <a:rPr lang="en-GB" dirty="0" err="1" smtClean="0"/>
-              <a:t>App</a:t>
+              <a:t>dApp</a:t>
             </a:r>
             <a:r>
               <a:rPr lang="en-GB" dirty="0" smtClean="0"/>
@@ -4729,8 +4734,33 @@
             </a:pPr>
             <a:r>
               <a:rPr lang="en-US" sz="1400" dirty="0"/>
-              <a:t>a social network that pays its community</a:t>
-            </a:r>
+              <a:t>a social network that pays its </a:t>
+            </a:r>
+            <a:r>
+              <a:rPr lang="en-US" sz="1400" dirty="0" smtClean="0"/>
+              <a:t>community</a:t>
+            </a:r>
+          </a:p>
+          <a:p>
+            <a:pPr marL="1257300" lvl="2" indent="-342900" algn="l">
+              <a:buFont typeface="Arial" panose="020B0604020202020204" pitchFamily="34" charset="0"/>
+              <a:buChar char="•"/>
+            </a:pPr>
+            <a:r>
+              <a:rPr lang="en-US" dirty="0" smtClean="0"/>
+              <a:t>And </a:t>
+            </a:r>
+            <a:r>
+              <a:rPr lang="en-US" smtClean="0"/>
+              <a:t>many more</a:t>
+            </a:r>
+          </a:p>
+          <a:p>
+            <a:pPr marL="1257300" lvl="2" indent="-342900" algn="l">
+              <a:buFont typeface="Arial" panose="020B0604020202020204" pitchFamily="34" charset="0"/>
+              <a:buChar char="•"/>
+            </a:pPr>
+            <a:endParaRPr lang="en-US" dirty="0"/>
           </a:p>
           <a:p>
             <a:pPr marL="1714500" lvl="3" indent="-342900" algn="l">
